--- a/Week5/Final Challenge/MCR2_Final_Challenge_v2.pptx
+++ b/Week5/Final Challenge/MCR2_Final_Challenge_v2.pptx
@@ -360,7 +360,7 @@
           <a:p>
             <a:fld id="{28E8D346-A915-4882-A510-80C55F2B0290}" type="datetimeFigureOut">
               <a:rPr lang="en-GB" smtClean="0"/>
-              <a:t>30/04/2024</a:t>
+              <a:t>05/05/2024</a:t>
             </a:fld>
             <a:endParaRPr lang="en-GB"/>
           </a:p>
@@ -3373,7 +3373,7 @@
           <a:p>
             <a:fld id="{28E8D346-A915-4882-A510-80C55F2B0290}" type="datetimeFigureOut">
               <a:rPr lang="en-GB" smtClean="0"/>
-              <a:t>30/04/2024</a:t>
+              <a:t>05/05/2024</a:t>
             </a:fld>
             <a:endParaRPr lang="en-GB"/>
           </a:p>
@@ -3854,7 +3854,7 @@
           <a:p>
             <a:fld id="{28E8D346-A915-4882-A510-80C55F2B0290}" type="datetimeFigureOut">
               <a:rPr lang="en-GB" smtClean="0"/>
-              <a:t>30/04/2024</a:t>
+              <a:t>05/05/2024</a:t>
             </a:fld>
             <a:endParaRPr lang="en-GB"/>
           </a:p>
@@ -4177,7 +4177,7 @@
           <a:p>
             <a:fld id="{28E8D346-A915-4882-A510-80C55F2B0290}" type="datetimeFigureOut">
               <a:rPr lang="en-GB" smtClean="0"/>
-              <a:t>30/04/2024</a:t>
+              <a:t>05/05/2024</a:t>
             </a:fld>
             <a:endParaRPr lang="en-GB"/>
           </a:p>
@@ -4670,7 +4670,7 @@
           <a:p>
             <a:fld id="{28E8D346-A915-4882-A510-80C55F2B0290}" type="datetimeFigureOut">
               <a:rPr lang="en-GB" smtClean="0"/>
-              <a:t>30/04/2024</a:t>
+              <a:t>05/05/2024</a:t>
             </a:fld>
             <a:endParaRPr lang="en-GB"/>
           </a:p>
@@ -5192,7 +5192,7 @@
           <a:p>
             <a:fld id="{28E8D346-A915-4882-A510-80C55F2B0290}" type="datetimeFigureOut">
               <a:rPr lang="en-GB" smtClean="0"/>
-              <a:t>30/04/2024</a:t>
+              <a:t>05/05/2024</a:t>
             </a:fld>
             <a:endParaRPr lang="en-GB"/>
           </a:p>
@@ -5687,7 +5687,7 @@
           <a:p>
             <a:fld id="{28E8D346-A915-4882-A510-80C55F2B0290}" type="datetimeFigureOut">
               <a:rPr lang="en-GB" smtClean="0"/>
-              <a:t>30/04/2024</a:t>
+              <a:t>05/05/2024</a:t>
             </a:fld>
             <a:endParaRPr lang="en-GB"/>
           </a:p>
@@ -6294,7 +6294,7 @@
           <a:p>
             <a:fld id="{28E8D346-A915-4882-A510-80C55F2B0290}" type="datetimeFigureOut">
               <a:rPr lang="en-GB" smtClean="0"/>
-              <a:t>30/04/2024</a:t>
+              <a:t>05/05/2024</a:t>
             </a:fld>
             <a:endParaRPr lang="en-GB"/>
           </a:p>
@@ -6789,7 +6789,7 @@
           <a:p>
             <a:fld id="{28E8D346-A915-4882-A510-80C55F2B0290}" type="datetimeFigureOut">
               <a:rPr lang="en-GB" smtClean="0"/>
-              <a:t>30/04/2024</a:t>
+              <a:t>05/05/2024</a:t>
             </a:fld>
             <a:endParaRPr lang="en-GB"/>
           </a:p>
@@ -7552,7 +7552,7 @@
           <a:p>
             <a:fld id="{28E8D346-A915-4882-A510-80C55F2B0290}" type="datetimeFigureOut">
               <a:rPr lang="en-GB" smtClean="0"/>
-              <a:t>30/04/2024</a:t>
+              <a:t>05/05/2024</a:t>
             </a:fld>
             <a:endParaRPr lang="en-GB"/>
           </a:p>
@@ -8203,7 +8203,7 @@
           <a:p>
             <a:fld id="{28E8D346-A915-4882-A510-80C55F2B0290}" type="datetimeFigureOut">
               <a:rPr lang="en-GB" smtClean="0"/>
-              <a:t>30/04/2024</a:t>
+              <a:t>05/05/2024</a:t>
             </a:fld>
             <a:endParaRPr lang="en-GB"/>
           </a:p>
@@ -8582,7 +8582,7 @@
           <a:p>
             <a:fld id="{28E8D346-A915-4882-A510-80C55F2B0290}" type="datetimeFigureOut">
               <a:rPr lang="en-GB" smtClean="0"/>
-              <a:t>30/04/2024</a:t>
+              <a:t>05/05/2024</a:t>
             </a:fld>
             <a:endParaRPr lang="en-GB"/>
           </a:p>
@@ -8849,7 +8849,7 @@
           <a:p>
             <a:fld id="{28E8D346-A915-4882-A510-80C55F2B0290}" type="datetimeFigureOut">
               <a:rPr lang="en-GB" smtClean="0"/>
-              <a:t>30/04/2024</a:t>
+              <a:t>05/05/2024</a:t>
             </a:fld>
             <a:endParaRPr lang="en-GB"/>
           </a:p>
@@ -9422,7 +9422,7 @@
           <a:p>
             <a:fld id="{28E8D346-A915-4882-A510-80C55F2B0290}" type="datetimeFigureOut">
               <a:rPr lang="en-GB" smtClean="0"/>
-              <a:t>30/04/2024</a:t>
+              <a:t>05/05/2024</a:t>
             </a:fld>
             <a:endParaRPr lang="en-GB"/>
           </a:p>
@@ -9666,7 +9666,7 @@
           <a:p>
             <a:fld id="{28E8D346-A915-4882-A510-80C55F2B0290}" type="datetimeFigureOut">
               <a:rPr lang="en-GB" smtClean="0"/>
-              <a:t>30/04/2024</a:t>
+              <a:t>05/05/2024</a:t>
             </a:fld>
             <a:endParaRPr lang="en-GB"/>
           </a:p>
@@ -9852,7 +9852,7 @@
           <a:p>
             <a:fld id="{28E8D346-A915-4882-A510-80C55F2B0290}" type="datetimeFigureOut">
               <a:rPr lang="en-GB" smtClean="0"/>
-              <a:t>30/04/2024</a:t>
+              <a:t>05/05/2024</a:t>
             </a:fld>
             <a:endParaRPr lang="en-GB"/>
           </a:p>
@@ -10150,7 +10150,7 @@
           <a:p>
             <a:fld id="{28E8D346-A915-4882-A510-80C55F2B0290}" type="datetimeFigureOut">
               <a:rPr lang="en-GB" smtClean="0"/>
-              <a:t>30/04/2024</a:t>
+              <a:t>05/05/2024</a:t>
             </a:fld>
             <a:endParaRPr lang="en-GB"/>
           </a:p>
@@ -10585,7 +10585,7 @@
           <a:p>
             <a:fld id="{28E8D346-A915-4882-A510-80C55F2B0290}" type="datetimeFigureOut">
               <a:rPr lang="en-GB" smtClean="0"/>
-              <a:t>30/04/2024</a:t>
+              <a:t>05/05/2024</a:t>
             </a:fld>
             <a:endParaRPr lang="en-GB"/>
           </a:p>
@@ -11058,7 +11058,7 @@
           <a:p>
             <a:fld id="{28E8D346-A915-4882-A510-80C55F2B0290}" type="datetimeFigureOut">
               <a:rPr lang="en-GB" smtClean="0"/>
-              <a:t>30/04/2024</a:t>
+              <a:t>05/05/2024</a:t>
             </a:fld>
             <a:endParaRPr lang="en-GB"/>
           </a:p>
@@ -11514,7 +11514,7 @@
           <a:p>
             <a:fld id="{28E8D346-A915-4882-A510-80C55F2B0290}" type="datetimeFigureOut">
               <a:rPr lang="en-GB" smtClean="0"/>
-              <a:t>30/04/2024</a:t>
+              <a:t>05/05/2024</a:t>
             </a:fld>
             <a:endParaRPr lang="en-GB"/>
           </a:p>
@@ -11738,7 +11738,7 @@
           <a:p>
             <a:fld id="{28E8D346-A915-4882-A510-80C55F2B0290}" type="datetimeFigureOut">
               <a:rPr lang="en-GB" smtClean="0"/>
-              <a:t>30/04/2024</a:t>
+              <a:t>05/05/2024</a:t>
             </a:fld>
             <a:endParaRPr lang="en-GB"/>
           </a:p>
@@ -11964,7 +11964,7 @@
           <a:p>
             <a:fld id="{28E8D346-A915-4882-A510-80C55F2B0290}" type="datetimeFigureOut">
               <a:rPr lang="en-GB" smtClean="0"/>
-              <a:t>30/04/2024</a:t>
+              <a:t>05/05/2024</a:t>
             </a:fld>
             <a:endParaRPr lang="en-GB"/>
           </a:p>
@@ -12190,7 +12190,7 @@
           <a:p>
             <a:fld id="{28E8D346-A915-4882-A510-80C55F2B0290}" type="datetimeFigureOut">
               <a:rPr lang="en-GB" smtClean="0"/>
-              <a:t>30/04/2024</a:t>
+              <a:t>05/05/2024</a:t>
             </a:fld>
             <a:endParaRPr lang="en-GB"/>
           </a:p>
@@ -12338,7 +12338,7 @@
           <a:p>
             <a:fld id="{28E8D346-A915-4882-A510-80C55F2B0290}" type="datetimeFigureOut">
               <a:rPr lang="en-GB" smtClean="0"/>
-              <a:t>30/04/2024</a:t>
+              <a:t>05/05/2024</a:t>
             </a:fld>
             <a:endParaRPr lang="en-GB"/>
           </a:p>
@@ -12732,7 +12732,7 @@
           <a:p>
             <a:fld id="{28E8D346-A915-4882-A510-80C55F2B0290}" type="datetimeFigureOut">
               <a:rPr lang="en-GB" smtClean="0"/>
-              <a:t>30/04/2024</a:t>
+              <a:t>05/05/2024</a:t>
             </a:fld>
             <a:endParaRPr lang="en-GB"/>
           </a:p>
@@ -13289,7 +13289,7 @@
           <a:p>
             <a:fld id="{28E8D346-A915-4882-A510-80C55F2B0290}" type="datetimeFigureOut">
               <a:rPr lang="en-GB" smtClean="0"/>
-              <a:t>30/04/2024</a:t>
+              <a:t>05/05/2024</a:t>
             </a:fld>
             <a:endParaRPr lang="en-GB"/>
           </a:p>
@@ -13795,7 +13795,7 @@
           <a:p>
             <a:fld id="{28E8D346-A915-4882-A510-80C55F2B0290}" type="datetimeFigureOut">
               <a:rPr lang="en-GB" smtClean="0"/>
-              <a:t>30/04/2024</a:t>
+              <a:t>05/05/2024</a:t>
             </a:fld>
             <a:endParaRPr lang="en-GB"/>
           </a:p>
@@ -14193,7 +14193,7 @@
           <a:p>
             <a:fld id="{28E8D346-A915-4882-A510-80C55F2B0290}" type="datetimeFigureOut">
               <a:rPr lang="en-GB" smtClean="0"/>
-              <a:t>30/04/2024</a:t>
+              <a:t>05/05/2024</a:t>
             </a:fld>
             <a:endParaRPr lang="en-GB"/>
           </a:p>
@@ -15059,7 +15059,7 @@
           <a:p>
             <a:fld id="{9D27316D-C409-4712-90E5-1C58F0743890}" type="datetimeFigureOut">
               <a:rPr lang="en-GB" smtClean="0"/>
-              <a:t>30/04/2024</a:t>
+              <a:t>05/05/2024</a:t>
             </a:fld>
             <a:endParaRPr lang="en-GB"/>
           </a:p>
@@ -18250,8 +18250,8 @@
           </a:p>
         </p:txBody>
       </p:sp>
-      <mc:AlternateContent xmlns:mc="http://schemas.openxmlformats.org/markup-compatibility/2006">
-        <mc:Choice xmlns:a14="http://schemas.microsoft.com/office/drawing/2010/main" Requires="a14">
+      <mc:AlternateContent xmlns:mc="http://schemas.openxmlformats.org/markup-compatibility/2006" xmlns:a14="http://schemas.microsoft.com/office/drawing/2010/main">
+        <mc:Choice Requires="a14">
           <p:sp>
             <p:nvSpPr>
               <p:cNvPr id="24" name="TextBox 23">
@@ -18516,7 +18516,7 @@
             </p:txBody>
           </p:sp>
         </mc:Choice>
-        <mc:Fallback>
+        <mc:Fallback xmlns="">
           <p:sp>
             <p:nvSpPr>
               <p:cNvPr id="24" name="TextBox 23">
@@ -18671,8 +18671,8 @@
           <a:chExt cx="0" cy="0"/>
         </a:xfrm>
       </p:grpSpPr>
-      <mc:AlternateContent xmlns:mc="http://schemas.openxmlformats.org/markup-compatibility/2006">
-        <mc:Choice xmlns:a14="http://schemas.microsoft.com/office/drawing/2010/main" Requires="a14">
+      <mc:AlternateContent xmlns:mc="http://schemas.openxmlformats.org/markup-compatibility/2006" xmlns:a14="http://schemas.microsoft.com/office/drawing/2010/main">
+        <mc:Choice Requires="a14">
           <p:sp>
             <p:nvSpPr>
               <p:cNvPr id="2" name="Content Placeholder 1">
@@ -19160,7 +19160,7 @@
             </p:txBody>
           </p:sp>
         </mc:Choice>
-        <mc:Fallback>
+        <mc:Fallback xmlns="">
           <p:sp>
             <p:nvSpPr>
               <p:cNvPr id="2" name="Content Placeholder 1">
@@ -19575,7 +19575,7 @@
             </p:spPr>
             <p:txBody>
               <a:bodyPr>
-                <a:normAutofit/>
+                <a:normAutofit lnSpcReduction="10000"/>
               </a:bodyPr>
               <a:lstStyle/>
               <a:p>
@@ -19679,68 +19679,6 @@
                       <m:jc m:val="centerGroup"/>
                     </m:oMathParaPr>
                     <m:oMath xmlns:m="http://schemas.openxmlformats.org/officeDocument/2006/math">
-                      <m:sSub>
-                        <m:sSubPr>
-                          <m:ctrlPr>
-                            <a:rPr lang="en-GB" sz="1600" b="0" i="1" smtClean="0">
-                              <a:latin typeface="Cambria Math" panose="02040503050406030204" pitchFamily="18" charset="0"/>
-                            </a:rPr>
-                          </m:ctrlPr>
-                        </m:sSubPr>
-                        <m:e>
-                          <m:r>
-                            <a:rPr lang="en-GB" sz="1600" b="0" i="1" smtClean="0">
-                              <a:latin typeface="Cambria Math" panose="02040503050406030204" pitchFamily="18" charset="0"/>
-                            </a:rPr>
-                            <m:t>𝑟</m:t>
-                          </m:r>
-                        </m:e>
-                        <m:sub>
-                          <m:r>
-                            <a:rPr lang="en-GB" sz="1600" b="0" i="1" smtClean="0">
-                              <a:latin typeface="Cambria Math" panose="02040503050406030204" pitchFamily="18" charset="0"/>
-                            </a:rPr>
-                            <m:t>1</m:t>
-                          </m:r>
-                        </m:sub>
-                      </m:sSub>
-                      <m:r>
-                        <a:rPr lang="en-GB" sz="1600" i="1">
-                          <a:latin typeface="Cambria Math" panose="02040503050406030204" pitchFamily="18" charset="0"/>
-                        </a:rPr>
-                        <m:t> = 1 + 0.3 * </m:t>
-                      </m:r>
-                      <m:r>
-                        <a:rPr lang="en-GB" sz="1600" i="1">
-                          <a:latin typeface="Cambria Math" panose="02040503050406030204" pitchFamily="18" charset="0"/>
-                        </a:rPr>
-                        <m:t>𝑠𝑖𝑛</m:t>
-                      </m:r>
-                      <m:r>
-                        <a:rPr lang="en-GB" sz="1600" i="1">
-                          <a:latin typeface="Cambria Math" panose="02040503050406030204" pitchFamily="18" charset="0"/>
-                        </a:rPr>
-                        <m:t>(</m:t>
-                      </m:r>
-                      <m:r>
-                        <a:rPr lang="en-GB" sz="1600" i="1">
-                          <a:latin typeface="Cambria Math" panose="02040503050406030204" pitchFamily="18" charset="0"/>
-                        </a:rPr>
-                        <m:t>𝑡</m:t>
-                      </m:r>
-                      <m:r>
-                        <a:rPr lang="en-GB" sz="1600" b="0" i="1" smtClean="0">
-                          <a:latin typeface="Cambria Math" panose="02040503050406030204" pitchFamily="18" charset="0"/>
-                        </a:rPr>
-                        <m:t>)</m:t>
-                      </m:r>
-                    </m:oMath>
-                  </m:oMathPara>
-                  <m:oMathPara xmlns:m="http://schemas.openxmlformats.org/officeDocument/2006/math">
-                    <m:oMathParaPr>
-                      <m:jc m:val="centerGroup"/>
-                    </m:oMathParaPr>
-                    <m:oMath xmlns:m="http://schemas.openxmlformats.org/officeDocument/2006/math">
                       <m:r>
                         <a:rPr lang="en-GB" sz="1600" i="1">
                           <a:latin typeface="Cambria Math" panose="02040503050406030204" pitchFamily="18" charset="0"/>
@@ -19776,7 +19714,81 @@
                         <a:rPr lang="en-GB" sz="1600" i="1">
                           <a:latin typeface="Cambria Math" panose="02040503050406030204" pitchFamily="18" charset="0"/>
                         </a:rPr>
-                        <m:t> = 0.5 + 0.7 * </m:t>
+                        <m:t> = 0.5 + 0.7 ∗ </m:t>
+                      </m:r>
+                      <m:r>
+                        <a:rPr lang="en-GB" sz="1600" i="1">
+                          <a:latin typeface="Cambria Math" panose="02040503050406030204" pitchFamily="18" charset="0"/>
+                        </a:rPr>
+                        <m:t>𝑠𝑖𝑛</m:t>
+                      </m:r>
+                      <m:d>
+                        <m:dPr>
+                          <m:ctrlPr>
+                            <a:rPr lang="en-GB" sz="1600" i="1">
+                              <a:latin typeface="Cambria Math" panose="02040503050406030204" pitchFamily="18" charset="0"/>
+                            </a:rPr>
+                          </m:ctrlPr>
+                        </m:dPr>
+                        <m:e>
+                          <m:r>
+                            <a:rPr lang="en-GB" sz="1600" b="0" i="1" smtClean="0">
+                              <a:latin typeface="Cambria Math" panose="02040503050406030204" pitchFamily="18" charset="0"/>
+                            </a:rPr>
+                            <m:t>𝑡</m:t>
+                          </m:r>
+                        </m:e>
+                      </m:d>
+                    </m:oMath>
+                  </m:oMathPara>
+                </a14:m>
+                <a:endParaRPr lang="en-GB" sz="1600" b="0" i="1" dirty="0">
+                  <a:latin typeface="Cambria Math" panose="02040503050406030204" pitchFamily="18" charset="0"/>
+                </a:endParaRPr>
+              </a:p>
+              <a:p>
+                <a:pPr marL="0" indent="0">
+                  <a:lnSpc>
+                    <a:spcPct val="150000"/>
+                  </a:lnSpc>
+                  <a:buNone/>
+                </a:pPr>
+                <a14:m>
+                  <m:oMathPara xmlns:m="http://schemas.openxmlformats.org/officeDocument/2006/math">
+                    <m:oMathParaPr>
+                      <m:jc m:val="centerGroup"/>
+                    </m:oMathParaPr>
+                    <m:oMath xmlns:m="http://schemas.openxmlformats.org/officeDocument/2006/math">
+                      <m:sSub>
+                        <m:sSubPr>
+                          <m:ctrlPr>
+                            <a:rPr lang="en-GB" sz="1600" b="0" i="1" smtClean="0">
+                              <a:latin typeface="Cambria Math" panose="02040503050406030204" pitchFamily="18" charset="0"/>
+                            </a:rPr>
+                          </m:ctrlPr>
+                        </m:sSubPr>
+                        <m:e>
+                          <m:r>
+                            <a:rPr lang="en-GB" sz="1600" b="0" i="1" smtClean="0">
+                              <a:latin typeface="Cambria Math" panose="02040503050406030204" pitchFamily="18" charset="0"/>
+                            </a:rPr>
+                            <m:t>𝑟</m:t>
+                          </m:r>
+                        </m:e>
+                        <m:sub>
+                          <m:r>
+                            <a:rPr lang="en-GB" sz="1600" b="0" i="1" smtClean="0">
+                              <a:latin typeface="Cambria Math" panose="02040503050406030204" pitchFamily="18" charset="0"/>
+                            </a:rPr>
+                            <m:t>1</m:t>
+                          </m:r>
+                        </m:sub>
+                      </m:sSub>
+                      <m:r>
+                        <a:rPr lang="en-GB" sz="1600" i="1">
+                          <a:latin typeface="Cambria Math" panose="02040503050406030204" pitchFamily="18" charset="0"/>
+                        </a:rPr>
+                        <m:t> = 1 + 0.3 ∗ </m:t>
                       </m:r>
                       <m:r>
                         <a:rPr lang="en-GB" sz="1600" i="1">
@@ -19791,7 +19803,7 @@
                         <m:t>(</m:t>
                       </m:r>
                       <m:r>
-                        <a:rPr lang="en-GB" sz="1600" b="0" i="1" smtClean="0">
+                        <a:rPr lang="en-GB" sz="1600" i="1">
                           <a:latin typeface="Cambria Math" panose="02040503050406030204" pitchFamily="18" charset="0"/>
                         </a:rPr>
                         <m:t>𝑡</m:t>
@@ -19805,6 +19817,7 @@
                     </m:oMath>
                   </m:oMathPara>
                 </a14:m>
+                <a:endParaRPr lang="en-GB" sz="1600" dirty="0"/>
               </a:p>
               <a:p>
                 <a:pPr marL="0" indent="0">
@@ -19902,7 +19915,7 @@
               <a:blipFill>
                 <a:blip r:embed="rId2"/>
                 <a:stretch>
-                  <a:fillRect l="-471"/>
+                  <a:fillRect l="-471" b="-799"/>
                 </a:stretch>
               </a:blipFill>
             </p:spPr>
